--- a/docs/diagrams/UndoRedoNewCommand2StateListDiagram.pptx
+++ b/docs/diagrams/UndoRedoNewCommand2StateListDiagram.pptx
@@ -112,10 +112,6 @@
 </p:presentation>
 </file>
 
-<file path=ppt/revisionInfo.xml><?xml version="1.0" encoding="utf-8"?>
-<p1510:revInfo xmlns:a="http://schemas.openxmlformats.org/drawingml/2006/main" xmlns:r="http://schemas.openxmlformats.org/officeDocument/2006/relationships" xmlns:p1510="http://schemas.microsoft.com/office/powerpoint/2015/10/main"/>
-</file>
-
 <file path=ppt/slideLayouts/slideLayout1.xml><?xml version="1.0" encoding="utf-8"?>
 <p:sldLayout xmlns:a="http://schemas.openxmlformats.org/drawingml/2006/main" xmlns:r="http://schemas.openxmlformats.org/officeDocument/2006/relationships" xmlns:p="http://schemas.openxmlformats.org/presentationml/2006/main" type="title" preserve="1">
   <p:cSld name="Title Slide">
@@ -265,7 +261,7 @@
           <a:p>
             <a:fld id="{03EC4E3E-8101-482F-A883-8B55DAFF7C07}" type="datetimeFigureOut">
               <a:rPr lang="en-SG" smtClean="0"/>
-              <a:t>6/7/2018</a:t>
+              <a:t>17/3/19</a:t>
             </a:fld>
             <a:endParaRPr lang="en-SG"/>
           </a:p>
@@ -465,7 +461,7 @@
           <a:p>
             <a:fld id="{03EC4E3E-8101-482F-A883-8B55DAFF7C07}" type="datetimeFigureOut">
               <a:rPr lang="en-SG" smtClean="0"/>
-              <a:t>6/7/2018</a:t>
+              <a:t>17/3/19</a:t>
             </a:fld>
             <a:endParaRPr lang="en-SG"/>
           </a:p>
@@ -675,7 +671,7 @@
           <a:p>
             <a:fld id="{03EC4E3E-8101-482F-A883-8B55DAFF7C07}" type="datetimeFigureOut">
               <a:rPr lang="en-SG" smtClean="0"/>
-              <a:t>6/7/2018</a:t>
+              <a:t>17/3/19</a:t>
             </a:fld>
             <a:endParaRPr lang="en-SG"/>
           </a:p>
@@ -875,7 +871,7 @@
           <a:p>
             <a:fld id="{03EC4E3E-8101-482F-A883-8B55DAFF7C07}" type="datetimeFigureOut">
               <a:rPr lang="en-SG" smtClean="0"/>
-              <a:t>6/7/2018</a:t>
+              <a:t>17/3/19</a:t>
             </a:fld>
             <a:endParaRPr lang="en-SG"/>
           </a:p>
@@ -1151,7 +1147,7 @@
           <a:p>
             <a:fld id="{03EC4E3E-8101-482F-A883-8B55DAFF7C07}" type="datetimeFigureOut">
               <a:rPr lang="en-SG" smtClean="0"/>
-              <a:t>6/7/2018</a:t>
+              <a:t>17/3/19</a:t>
             </a:fld>
             <a:endParaRPr lang="en-SG"/>
           </a:p>
@@ -1419,7 +1415,7 @@
           <a:p>
             <a:fld id="{03EC4E3E-8101-482F-A883-8B55DAFF7C07}" type="datetimeFigureOut">
               <a:rPr lang="en-SG" smtClean="0"/>
-              <a:t>6/7/2018</a:t>
+              <a:t>17/3/19</a:t>
             </a:fld>
             <a:endParaRPr lang="en-SG"/>
           </a:p>
@@ -1834,7 +1830,7 @@
           <a:p>
             <a:fld id="{03EC4E3E-8101-482F-A883-8B55DAFF7C07}" type="datetimeFigureOut">
               <a:rPr lang="en-SG" smtClean="0"/>
-              <a:t>6/7/2018</a:t>
+              <a:t>17/3/19</a:t>
             </a:fld>
             <a:endParaRPr lang="en-SG"/>
           </a:p>
@@ -1976,7 +1972,7 @@
           <a:p>
             <a:fld id="{03EC4E3E-8101-482F-A883-8B55DAFF7C07}" type="datetimeFigureOut">
               <a:rPr lang="en-SG" smtClean="0"/>
-              <a:t>6/7/2018</a:t>
+              <a:t>17/3/19</a:t>
             </a:fld>
             <a:endParaRPr lang="en-SG"/>
           </a:p>
@@ -2089,7 +2085,7 @@
           <a:p>
             <a:fld id="{03EC4E3E-8101-482F-A883-8B55DAFF7C07}" type="datetimeFigureOut">
               <a:rPr lang="en-SG" smtClean="0"/>
-              <a:t>6/7/2018</a:t>
+              <a:t>17/3/19</a:t>
             </a:fld>
             <a:endParaRPr lang="en-SG"/>
           </a:p>
@@ -2402,7 +2398,7 @@
           <a:p>
             <a:fld id="{03EC4E3E-8101-482F-A883-8B55DAFF7C07}" type="datetimeFigureOut">
               <a:rPr lang="en-SG" smtClean="0"/>
-              <a:t>6/7/2018</a:t>
+              <a:t>17/3/19</a:t>
             </a:fld>
             <a:endParaRPr lang="en-SG"/>
           </a:p>
@@ -2691,7 +2687,7 @@
           <a:p>
             <a:fld id="{03EC4E3E-8101-482F-A883-8B55DAFF7C07}" type="datetimeFigureOut">
               <a:rPr lang="en-SG" smtClean="0"/>
-              <a:t>6/7/2018</a:t>
+              <a:t>17/3/19</a:t>
             </a:fld>
             <a:endParaRPr lang="en-SG"/>
           </a:p>
@@ -2934,7 +2930,7 @@
           <a:p>
             <a:fld id="{03EC4E3E-8101-482F-A883-8B55DAFF7C07}" type="datetimeFigureOut">
               <a:rPr lang="en-SG" smtClean="0"/>
-              <a:t>6/7/2018</a:t>
+              <a:t>17/3/19</a:t>
             </a:fld>
             <a:endParaRPr lang="en-SG"/>
           </a:p>
@@ -3387,10 +3383,6 @@
           <a:lstStyle/>
           <a:p>
             <a:pPr algn="ctr"/>
-            <a:r>
-              <a:rPr lang="en-SG" dirty="0"/>
-              <a:t>Add n/David… </a:t>
-            </a:r>
             <a:endParaRPr lang="en-US" dirty="0"/>
           </a:p>
         </p:txBody>
@@ -3439,74 +3431,6 @@
           </a:p>
         </p:txBody>
       </p:sp>
-      <p:graphicFrame>
-        <p:nvGraphicFramePr>
-          <p:cNvPr id="25" name="Table 24">
-            <a:extLst>
-              <a:ext uri="{FF2B5EF4-FFF2-40B4-BE49-F238E27FC236}">
-                <a16:creationId xmlns:a16="http://schemas.microsoft.com/office/drawing/2014/main" id="{F545FAB8-F1CE-4886-9BDE-E772BCB0A9C4}"/>
-              </a:ext>
-            </a:extLst>
-          </p:cNvPr>
-          <p:cNvGraphicFramePr>
-            <a:graphicFrameLocks noGrp="1"/>
-          </p:cNvGraphicFramePr>
-          <p:nvPr>
-            <p:extLst>
-              <p:ext uri="{D42A27DB-BD31-4B8C-83A1-F6EECF244321}">
-                <p14:modId xmlns:p14="http://schemas.microsoft.com/office/powerpoint/2010/main" val="3571951523"/>
-              </p:ext>
-            </p:extLst>
-          </p:nvPr>
-        </p:nvGraphicFramePr>
-        <p:xfrm>
-          <a:off x="473240" y="1476102"/>
-          <a:ext cx="1825824" cy="417888"/>
-        </p:xfrm>
-        <a:graphic>
-          <a:graphicData uri="http://schemas.openxmlformats.org/drawingml/2006/table">
-            <a:tbl>
-              <a:tblPr>
-                <a:tableStyleId>{638B1855-1B75-4FBE-930C-398BA8C253C6}</a:tableStyleId>
-              </a:tblPr>
-              <a:tblGrid>
-                <a:gridCol w="1825824">
-                  <a:extLst>
-                    <a:ext uri="{9D8B030D-6E8A-4147-A177-3AD203B41FA5}">
-                      <a16:colId xmlns:a16="http://schemas.microsoft.com/office/drawing/2014/main" val="4240773277"/>
-                    </a:ext>
-                  </a:extLst>
-                </a:gridCol>
-              </a:tblGrid>
-              <a:tr h="417888">
-                <a:tc>
-                  <a:txBody>
-                    <a:bodyPr/>
-                    <a:lstStyle/>
-                    <a:p>
-                      <a:r>
-                        <a:rPr lang="en-SG" u="sng" dirty="0"/>
-                        <a:t>ab0:A</a:t>
-                      </a:r>
-                      <a:r>
-                        <a:rPr lang="en-SG" sz="1800" u="sng" dirty="0"/>
-                        <a:t>ddressBook</a:t>
-                      </a:r>
-                      <a:endParaRPr lang="en-SG" sz="1600" u="sng" dirty="0"/>
-                    </a:p>
-                  </a:txBody>
-                  <a:tcPr/>
-                </a:tc>
-                <a:extLst>
-                  <a:ext uri="{0D108BD9-81ED-4DB2-BD59-A6C34878D82A}">
-                    <a16:rowId xmlns:a16="http://schemas.microsoft.com/office/drawing/2014/main" val="2194462629"/>
-                  </a:ext>
-                </a:extLst>
-              </a:tr>
-            </a:tbl>
-          </a:graphicData>
-        </a:graphic>
-      </p:graphicFrame>
       <p:sp>
         <p:nvSpPr>
           <p:cNvPr id="29" name="Rectangle 28"/>
@@ -3643,278 +3567,6 @@
           </a:p>
         </p:txBody>
       </p:sp>
-      <p:graphicFrame>
-        <p:nvGraphicFramePr>
-          <p:cNvPr id="15" name="Table 14">
-            <a:extLst>
-              <a:ext uri="{FF2B5EF4-FFF2-40B4-BE49-F238E27FC236}">
-                <a16:creationId xmlns:a16="http://schemas.microsoft.com/office/drawing/2014/main" id="{F545FAB8-F1CE-4886-9BDE-E772BCB0A9C4}"/>
-              </a:ext>
-            </a:extLst>
-          </p:cNvPr>
-          <p:cNvGraphicFramePr>
-            <a:graphicFrameLocks noGrp="1"/>
-          </p:cNvGraphicFramePr>
-          <p:nvPr>
-            <p:extLst>
-              <p:ext uri="{D42A27DB-BD31-4B8C-83A1-F6EECF244321}">
-                <p14:modId xmlns:p14="http://schemas.microsoft.com/office/powerpoint/2010/main" val="2341913009"/>
-              </p:ext>
-            </p:extLst>
-          </p:nvPr>
-        </p:nvGraphicFramePr>
-        <p:xfrm>
-          <a:off x="2491232" y="1476102"/>
-          <a:ext cx="1825824" cy="417888"/>
-        </p:xfrm>
-        <a:graphic>
-          <a:graphicData uri="http://schemas.openxmlformats.org/drawingml/2006/table">
-            <a:tbl>
-              <a:tblPr>
-                <a:tableStyleId>{638B1855-1B75-4FBE-930C-398BA8C253C6}</a:tableStyleId>
-              </a:tblPr>
-              <a:tblGrid>
-                <a:gridCol w="1825824">
-                  <a:extLst>
-                    <a:ext uri="{9D8B030D-6E8A-4147-A177-3AD203B41FA5}">
-                      <a16:colId xmlns:a16="http://schemas.microsoft.com/office/drawing/2014/main" val="4240773277"/>
-                    </a:ext>
-                  </a:extLst>
-                </a:gridCol>
-              </a:tblGrid>
-              <a:tr h="417888">
-                <a:tc>
-                  <a:txBody>
-                    <a:bodyPr/>
-                    <a:lstStyle/>
-                    <a:p>
-                      <a:r>
-                        <a:rPr lang="en-SG" u="sng" dirty="0"/>
-                        <a:t>ab1:A</a:t>
-                      </a:r>
-                      <a:r>
-                        <a:rPr lang="en-SG" sz="1800" u="sng" dirty="0"/>
-                        <a:t>ddressBook</a:t>
-                      </a:r>
-                      <a:endParaRPr lang="en-SG" sz="1600" u="sng" dirty="0"/>
-                    </a:p>
-                  </a:txBody>
-                  <a:tcPr/>
-                </a:tc>
-                <a:extLst>
-                  <a:ext uri="{0D108BD9-81ED-4DB2-BD59-A6C34878D82A}">
-                    <a16:rowId xmlns:a16="http://schemas.microsoft.com/office/drawing/2014/main" val="2194462629"/>
-                  </a:ext>
-                </a:extLst>
-              </a:tr>
-            </a:tbl>
-          </a:graphicData>
-        </a:graphic>
-      </p:graphicFrame>
-      <p:graphicFrame>
-        <p:nvGraphicFramePr>
-          <p:cNvPr id="16" name="Table 15">
-            <a:extLst>
-              <a:ext uri="{FF2B5EF4-FFF2-40B4-BE49-F238E27FC236}">
-                <a16:creationId xmlns:a16="http://schemas.microsoft.com/office/drawing/2014/main" id="{F545FAB8-F1CE-4886-9BDE-E772BCB0A9C4}"/>
-              </a:ext>
-            </a:extLst>
-          </p:cNvPr>
-          <p:cNvGraphicFramePr>
-            <a:graphicFrameLocks noGrp="1"/>
-          </p:cNvGraphicFramePr>
-          <p:nvPr>
-            <p:extLst>
-              <p:ext uri="{D42A27DB-BD31-4B8C-83A1-F6EECF244321}">
-                <p14:modId xmlns:p14="http://schemas.microsoft.com/office/powerpoint/2010/main" val="2172716932"/>
-              </p:ext>
-            </p:extLst>
-          </p:nvPr>
-        </p:nvGraphicFramePr>
-        <p:xfrm>
-          <a:off x="4509224" y="3926589"/>
-          <a:ext cx="1825824" cy="417888"/>
-        </p:xfrm>
-        <a:graphic>
-          <a:graphicData uri="http://schemas.openxmlformats.org/drawingml/2006/table">
-            <a:tbl>
-              <a:tblPr>
-                <a:tableStyleId>{638B1855-1B75-4FBE-930C-398BA8C253C6}</a:tableStyleId>
-              </a:tblPr>
-              <a:tblGrid>
-                <a:gridCol w="1825824">
-                  <a:extLst>
-                    <a:ext uri="{9D8B030D-6E8A-4147-A177-3AD203B41FA5}">
-                      <a16:colId xmlns:a16="http://schemas.microsoft.com/office/drawing/2014/main" val="4240773277"/>
-                    </a:ext>
-                  </a:extLst>
-                </a:gridCol>
-              </a:tblGrid>
-              <a:tr h="417888">
-                <a:tc>
-                  <a:txBody>
-                    <a:bodyPr/>
-                    <a:lstStyle/>
-                    <a:p>
-                      <a:r>
-                        <a:rPr lang="en-SG" u="sng"/>
-                        <a:t>ab2:A</a:t>
-                      </a:r>
-                      <a:r>
-                        <a:rPr lang="en-SG" sz="1800" u="sng"/>
-                        <a:t>ddressBook</a:t>
-                      </a:r>
-                      <a:endParaRPr lang="en-SG" sz="1600" u="sng" dirty="0"/>
-                    </a:p>
-                  </a:txBody>
-                  <a:tcPr/>
-                </a:tc>
-                <a:extLst>
-                  <a:ext uri="{0D108BD9-81ED-4DB2-BD59-A6C34878D82A}">
-                    <a16:rowId xmlns:a16="http://schemas.microsoft.com/office/drawing/2014/main" val="2194462629"/>
-                  </a:ext>
-                </a:extLst>
-              </a:tr>
-            </a:tbl>
-          </a:graphicData>
-        </a:graphic>
-      </p:graphicFrame>
-      <p:graphicFrame>
-        <p:nvGraphicFramePr>
-          <p:cNvPr id="17" name="Table 16">
-            <a:extLst>
-              <a:ext uri="{FF2B5EF4-FFF2-40B4-BE49-F238E27FC236}">
-                <a16:creationId xmlns:a16="http://schemas.microsoft.com/office/drawing/2014/main" id="{F545FAB8-F1CE-4886-9BDE-E772BCB0A9C4}"/>
-              </a:ext>
-            </a:extLst>
-          </p:cNvPr>
-          <p:cNvGraphicFramePr>
-            <a:graphicFrameLocks noGrp="1"/>
-          </p:cNvGraphicFramePr>
-          <p:nvPr>
-            <p:extLst>
-              <p:ext uri="{D42A27DB-BD31-4B8C-83A1-F6EECF244321}">
-                <p14:modId xmlns:p14="http://schemas.microsoft.com/office/powerpoint/2010/main" val="4094059841"/>
-              </p:ext>
-            </p:extLst>
-          </p:nvPr>
-        </p:nvGraphicFramePr>
-        <p:xfrm>
-          <a:off x="2491232" y="3908450"/>
-          <a:ext cx="1825824" cy="417888"/>
-        </p:xfrm>
-        <a:graphic>
-          <a:graphicData uri="http://schemas.openxmlformats.org/drawingml/2006/table">
-            <a:tbl>
-              <a:tblPr>
-                <a:tableStyleId>{638B1855-1B75-4FBE-930C-398BA8C253C6}</a:tableStyleId>
-              </a:tblPr>
-              <a:tblGrid>
-                <a:gridCol w="1825824">
-                  <a:extLst>
-                    <a:ext uri="{9D8B030D-6E8A-4147-A177-3AD203B41FA5}">
-                      <a16:colId xmlns:a16="http://schemas.microsoft.com/office/drawing/2014/main" val="4240773277"/>
-                    </a:ext>
-                  </a:extLst>
-                </a:gridCol>
-              </a:tblGrid>
-              <a:tr h="417888">
-                <a:tc>
-                  <a:txBody>
-                    <a:bodyPr/>
-                    <a:lstStyle/>
-                    <a:p>
-                      <a:r>
-                        <a:rPr lang="en-SG" u="sng" dirty="0"/>
-                        <a:t>ab1:A</a:t>
-                      </a:r>
-                      <a:r>
-                        <a:rPr lang="en-SG" sz="1800" u="sng" dirty="0"/>
-                        <a:t>ddressBook</a:t>
-                      </a:r>
-                      <a:endParaRPr lang="en-SG" sz="1600" u="sng" dirty="0"/>
-                    </a:p>
-                  </a:txBody>
-                  <a:tcPr/>
-                </a:tc>
-                <a:extLst>
-                  <a:ext uri="{0D108BD9-81ED-4DB2-BD59-A6C34878D82A}">
-                    <a16:rowId xmlns:a16="http://schemas.microsoft.com/office/drawing/2014/main" val="2194462629"/>
-                  </a:ext>
-                </a:extLst>
-              </a:tr>
-            </a:tbl>
-          </a:graphicData>
-        </a:graphic>
-      </p:graphicFrame>
-      <p:graphicFrame>
-        <p:nvGraphicFramePr>
-          <p:cNvPr id="18" name="Table 17">
-            <a:extLst>
-              <a:ext uri="{FF2B5EF4-FFF2-40B4-BE49-F238E27FC236}">
-                <a16:creationId xmlns:a16="http://schemas.microsoft.com/office/drawing/2014/main" id="{F545FAB8-F1CE-4886-9BDE-E772BCB0A9C4}"/>
-              </a:ext>
-            </a:extLst>
-          </p:cNvPr>
-          <p:cNvGraphicFramePr>
-            <a:graphicFrameLocks noGrp="1"/>
-          </p:cNvGraphicFramePr>
-          <p:nvPr>
-            <p:extLst>
-              <p:ext uri="{D42A27DB-BD31-4B8C-83A1-F6EECF244321}">
-                <p14:modId xmlns:p14="http://schemas.microsoft.com/office/powerpoint/2010/main" val="3467820198"/>
-              </p:ext>
-            </p:extLst>
-          </p:nvPr>
-        </p:nvGraphicFramePr>
-        <p:xfrm>
-          <a:off x="473240" y="3908450"/>
-          <a:ext cx="1825824" cy="417888"/>
-        </p:xfrm>
-        <a:graphic>
-          <a:graphicData uri="http://schemas.openxmlformats.org/drawingml/2006/table">
-            <a:tbl>
-              <a:tblPr>
-                <a:tableStyleId>{638B1855-1B75-4FBE-930C-398BA8C253C6}</a:tableStyleId>
-              </a:tblPr>
-              <a:tblGrid>
-                <a:gridCol w="1825824">
-                  <a:extLst>
-                    <a:ext uri="{9D8B030D-6E8A-4147-A177-3AD203B41FA5}">
-                      <a16:colId xmlns:a16="http://schemas.microsoft.com/office/drawing/2014/main" val="4240773277"/>
-                    </a:ext>
-                  </a:extLst>
-                </a:gridCol>
-              </a:tblGrid>
-              <a:tr h="417888">
-                <a:tc>
-                  <a:txBody>
-                    <a:bodyPr/>
-                    <a:lstStyle/>
-                    <a:p>
-                      <a:r>
-                        <a:rPr lang="en-SG" u="sng" dirty="0"/>
-                        <a:t>ab0:A</a:t>
-                      </a:r>
-                      <a:r>
-                        <a:rPr lang="en-SG" sz="1800" u="sng" dirty="0"/>
-                        <a:t>ddressBook</a:t>
-                      </a:r>
-                      <a:endParaRPr lang="en-SG" sz="1600" u="sng" dirty="0"/>
-                    </a:p>
-                  </a:txBody>
-                  <a:tcPr/>
-                </a:tc>
-                <a:extLst>
-                  <a:ext uri="{0D108BD9-81ED-4DB2-BD59-A6C34878D82A}">
-                    <a16:rowId xmlns:a16="http://schemas.microsoft.com/office/drawing/2014/main" val="2194462629"/>
-                  </a:ext>
-                </a:extLst>
-              </a:tr>
-            </a:tbl>
-          </a:graphicData>
-        </a:graphic>
-      </p:graphicFrame>
       <p:cxnSp>
         <p:nvCxnSpPr>
           <p:cNvPr id="14" name="Straight Arrow Connector 13">
@@ -4003,6 +3655,418 @@
           </a:fontRef>
         </p:style>
       </p:cxnSp>
+      <p:graphicFrame>
+        <p:nvGraphicFramePr>
+          <p:cNvPr id="20" name="Table 19">
+            <a:extLst>
+              <a:ext uri="{FF2B5EF4-FFF2-40B4-BE49-F238E27FC236}">
+                <a16:creationId xmlns:a16="http://schemas.microsoft.com/office/drawing/2014/main" id="{B555FA13-A194-5041-BC10-7AC288DCF208}"/>
+              </a:ext>
+            </a:extLst>
+          </p:cNvPr>
+          <p:cNvGraphicFramePr>
+            <a:graphicFrameLocks noGrp="1"/>
+          </p:cNvGraphicFramePr>
+          <p:nvPr>
+            <p:extLst>
+              <p:ext uri="{D42A27DB-BD31-4B8C-83A1-F6EECF244321}">
+                <p14:modId xmlns:p14="http://schemas.microsoft.com/office/powerpoint/2010/main" val="812720078"/>
+              </p:ext>
+            </p:extLst>
+          </p:nvPr>
+        </p:nvGraphicFramePr>
+        <p:xfrm>
+          <a:off x="439910" y="3918027"/>
+          <a:ext cx="1967215" cy="417888"/>
+        </p:xfrm>
+        <a:graphic>
+          <a:graphicData uri="http://schemas.openxmlformats.org/drawingml/2006/table">
+            <a:tbl>
+              <a:tblPr>
+                <a:tableStyleId>{638B1855-1B75-4FBE-930C-398BA8C253C6}</a:tableStyleId>
+              </a:tblPr>
+              <a:tblGrid>
+                <a:gridCol w="1967215">
+                  <a:extLst>
+                    <a:ext uri="{9D8B030D-6E8A-4147-A177-3AD203B41FA5}">
+                      <a16:colId xmlns:a16="http://schemas.microsoft.com/office/drawing/2014/main" val="4240773277"/>
+                    </a:ext>
+                  </a:extLst>
+                </a:gridCol>
+              </a:tblGrid>
+              <a:tr h="417888">
+                <a:tc>
+                  <a:txBody>
+                    <a:bodyPr/>
+                    <a:lstStyle/>
+                    <a:p>
+                      <a:r>
+                        <a:rPr lang="en-SG" u="sng" dirty="0"/>
+                        <a:t>ft0:</a:t>
+                      </a:r>
+                      <a:r>
+                        <a:rPr lang="en-SG" sz="1800" u="sng" dirty="0"/>
+                        <a:t>FinanceTracker</a:t>
+                      </a:r>
+                      <a:endParaRPr lang="en-SG" u="sng" dirty="0"/>
+                    </a:p>
+                  </a:txBody>
+                  <a:tcPr/>
+                </a:tc>
+                <a:extLst>
+                  <a:ext uri="{0D108BD9-81ED-4DB2-BD59-A6C34878D82A}">
+                    <a16:rowId xmlns:a16="http://schemas.microsoft.com/office/drawing/2014/main" val="2194462629"/>
+                  </a:ext>
+                </a:extLst>
+              </a:tr>
+            </a:tbl>
+          </a:graphicData>
+        </a:graphic>
+      </p:graphicFrame>
+      <p:graphicFrame>
+        <p:nvGraphicFramePr>
+          <p:cNvPr id="21" name="Table 20">
+            <a:extLst>
+              <a:ext uri="{FF2B5EF4-FFF2-40B4-BE49-F238E27FC236}">
+                <a16:creationId xmlns:a16="http://schemas.microsoft.com/office/drawing/2014/main" id="{A8D503DE-B6F8-CB48-9B56-845736F0DA45}"/>
+              </a:ext>
+            </a:extLst>
+          </p:cNvPr>
+          <p:cNvGraphicFramePr>
+            <a:graphicFrameLocks noGrp="1"/>
+          </p:cNvGraphicFramePr>
+          <p:nvPr>
+            <p:extLst>
+              <p:ext uri="{D42A27DB-BD31-4B8C-83A1-F6EECF244321}">
+                <p14:modId xmlns:p14="http://schemas.microsoft.com/office/powerpoint/2010/main" val="547465366"/>
+              </p:ext>
+            </p:extLst>
+          </p:nvPr>
+        </p:nvGraphicFramePr>
+        <p:xfrm>
+          <a:off x="2626516" y="3912559"/>
+          <a:ext cx="1967215" cy="417888"/>
+        </p:xfrm>
+        <a:graphic>
+          <a:graphicData uri="http://schemas.openxmlformats.org/drawingml/2006/table">
+            <a:tbl>
+              <a:tblPr>
+                <a:tableStyleId>{638B1855-1B75-4FBE-930C-398BA8C253C6}</a:tableStyleId>
+              </a:tblPr>
+              <a:tblGrid>
+                <a:gridCol w="1967215">
+                  <a:extLst>
+                    <a:ext uri="{9D8B030D-6E8A-4147-A177-3AD203B41FA5}">
+                      <a16:colId xmlns:a16="http://schemas.microsoft.com/office/drawing/2014/main" val="4240773277"/>
+                    </a:ext>
+                  </a:extLst>
+                </a:gridCol>
+              </a:tblGrid>
+              <a:tr h="417888">
+                <a:tc>
+                  <a:txBody>
+                    <a:bodyPr/>
+                    <a:lstStyle/>
+                    <a:p>
+                      <a:r>
+                        <a:rPr lang="en-SG" u="sng" dirty="0"/>
+                        <a:t>ft1:</a:t>
+                      </a:r>
+                      <a:r>
+                        <a:rPr lang="en-SG" sz="1800" u="sng" dirty="0"/>
+                        <a:t>FinanceTracker</a:t>
+                      </a:r>
+                      <a:endParaRPr lang="en-SG" u="sng" dirty="0"/>
+                    </a:p>
+                  </a:txBody>
+                  <a:tcPr/>
+                </a:tc>
+                <a:extLst>
+                  <a:ext uri="{0D108BD9-81ED-4DB2-BD59-A6C34878D82A}">
+                    <a16:rowId xmlns:a16="http://schemas.microsoft.com/office/drawing/2014/main" val="2194462629"/>
+                  </a:ext>
+                </a:extLst>
+              </a:tr>
+            </a:tbl>
+          </a:graphicData>
+        </a:graphic>
+      </p:graphicFrame>
+      <p:graphicFrame>
+        <p:nvGraphicFramePr>
+          <p:cNvPr id="22" name="Table 21">
+            <a:extLst>
+              <a:ext uri="{FF2B5EF4-FFF2-40B4-BE49-F238E27FC236}">
+                <a16:creationId xmlns:a16="http://schemas.microsoft.com/office/drawing/2014/main" id="{FDD9C9B8-FDA2-E649-94A7-90C805EDA6F6}"/>
+              </a:ext>
+            </a:extLst>
+          </p:cNvPr>
+          <p:cNvGraphicFramePr>
+            <a:graphicFrameLocks noGrp="1"/>
+          </p:cNvGraphicFramePr>
+          <p:nvPr>
+            <p:extLst>
+              <p:ext uri="{D42A27DB-BD31-4B8C-83A1-F6EECF244321}">
+                <p14:modId xmlns:p14="http://schemas.microsoft.com/office/powerpoint/2010/main" val="240960771"/>
+              </p:ext>
+            </p:extLst>
+          </p:nvPr>
+        </p:nvGraphicFramePr>
+        <p:xfrm>
+          <a:off x="4813122" y="3918027"/>
+          <a:ext cx="1967215" cy="417888"/>
+        </p:xfrm>
+        <a:graphic>
+          <a:graphicData uri="http://schemas.openxmlformats.org/drawingml/2006/table">
+            <a:tbl>
+              <a:tblPr>
+                <a:tableStyleId>{638B1855-1B75-4FBE-930C-398BA8C253C6}</a:tableStyleId>
+              </a:tblPr>
+              <a:tblGrid>
+                <a:gridCol w="1967215">
+                  <a:extLst>
+                    <a:ext uri="{9D8B030D-6E8A-4147-A177-3AD203B41FA5}">
+                      <a16:colId xmlns:a16="http://schemas.microsoft.com/office/drawing/2014/main" val="4240773277"/>
+                    </a:ext>
+                  </a:extLst>
+                </a:gridCol>
+              </a:tblGrid>
+              <a:tr h="417888">
+                <a:tc>
+                  <a:txBody>
+                    <a:bodyPr/>
+                    <a:lstStyle/>
+                    <a:p>
+                      <a:r>
+                        <a:rPr lang="en-SG" u="sng" dirty="0"/>
+                        <a:t>ft2:</a:t>
+                      </a:r>
+                      <a:r>
+                        <a:rPr lang="en-SG" sz="1800" u="sng" dirty="0"/>
+                        <a:t>FinanceTracker</a:t>
+                      </a:r>
+                      <a:endParaRPr lang="en-SG" u="sng" dirty="0"/>
+                    </a:p>
+                  </a:txBody>
+                  <a:tcPr/>
+                </a:tc>
+                <a:extLst>
+                  <a:ext uri="{0D108BD9-81ED-4DB2-BD59-A6C34878D82A}">
+                    <a16:rowId xmlns:a16="http://schemas.microsoft.com/office/drawing/2014/main" val="2194462629"/>
+                  </a:ext>
+                </a:extLst>
+              </a:tr>
+            </a:tbl>
+          </a:graphicData>
+        </a:graphic>
+      </p:graphicFrame>
+      <p:graphicFrame>
+        <p:nvGraphicFramePr>
+          <p:cNvPr id="23" name="Table 22">
+            <a:extLst>
+              <a:ext uri="{FF2B5EF4-FFF2-40B4-BE49-F238E27FC236}">
+                <a16:creationId xmlns:a16="http://schemas.microsoft.com/office/drawing/2014/main" id="{275AE832-2198-A14E-BACD-5EDCED1306E9}"/>
+              </a:ext>
+            </a:extLst>
+          </p:cNvPr>
+          <p:cNvGraphicFramePr>
+            <a:graphicFrameLocks noGrp="1"/>
+          </p:cNvGraphicFramePr>
+          <p:nvPr>
+            <p:extLst>
+              <p:ext uri="{D42A27DB-BD31-4B8C-83A1-F6EECF244321}">
+                <p14:modId xmlns:p14="http://schemas.microsoft.com/office/powerpoint/2010/main" val="3384851858"/>
+              </p:ext>
+            </p:extLst>
+          </p:nvPr>
+        </p:nvGraphicFramePr>
+        <p:xfrm>
+          <a:off x="462517" y="1497278"/>
+          <a:ext cx="1967215" cy="417888"/>
+        </p:xfrm>
+        <a:graphic>
+          <a:graphicData uri="http://schemas.openxmlformats.org/drawingml/2006/table">
+            <a:tbl>
+              <a:tblPr>
+                <a:tableStyleId>{638B1855-1B75-4FBE-930C-398BA8C253C6}</a:tableStyleId>
+              </a:tblPr>
+              <a:tblGrid>
+                <a:gridCol w="1967215">
+                  <a:extLst>
+                    <a:ext uri="{9D8B030D-6E8A-4147-A177-3AD203B41FA5}">
+                      <a16:colId xmlns:a16="http://schemas.microsoft.com/office/drawing/2014/main" val="4240773277"/>
+                    </a:ext>
+                  </a:extLst>
+                </a:gridCol>
+              </a:tblGrid>
+              <a:tr h="417888">
+                <a:tc>
+                  <a:txBody>
+                    <a:bodyPr/>
+                    <a:lstStyle/>
+                    <a:p>
+                      <a:r>
+                        <a:rPr lang="en-SG" u="sng" dirty="0"/>
+                        <a:t>ft0:</a:t>
+                      </a:r>
+                      <a:r>
+                        <a:rPr lang="en-SG" sz="1800" u="sng" dirty="0"/>
+                        <a:t>FinanceTracker</a:t>
+                      </a:r>
+                      <a:endParaRPr lang="en-SG" u="sng" dirty="0"/>
+                    </a:p>
+                  </a:txBody>
+                  <a:tcPr/>
+                </a:tc>
+                <a:extLst>
+                  <a:ext uri="{0D108BD9-81ED-4DB2-BD59-A6C34878D82A}">
+                    <a16:rowId xmlns:a16="http://schemas.microsoft.com/office/drawing/2014/main" val="2194462629"/>
+                  </a:ext>
+                </a:extLst>
+              </a:tr>
+            </a:tbl>
+          </a:graphicData>
+        </a:graphic>
+      </p:graphicFrame>
+      <p:graphicFrame>
+        <p:nvGraphicFramePr>
+          <p:cNvPr id="26" name="Table 25">
+            <a:extLst>
+              <a:ext uri="{FF2B5EF4-FFF2-40B4-BE49-F238E27FC236}">
+                <a16:creationId xmlns:a16="http://schemas.microsoft.com/office/drawing/2014/main" id="{E75E611B-E404-5643-A921-2B77371BCC26}"/>
+              </a:ext>
+            </a:extLst>
+          </p:cNvPr>
+          <p:cNvGraphicFramePr>
+            <a:graphicFrameLocks noGrp="1"/>
+          </p:cNvGraphicFramePr>
+          <p:nvPr>
+            <p:extLst>
+              <p:ext uri="{D42A27DB-BD31-4B8C-83A1-F6EECF244321}">
+                <p14:modId xmlns:p14="http://schemas.microsoft.com/office/powerpoint/2010/main" val="1673951843"/>
+              </p:ext>
+            </p:extLst>
+          </p:nvPr>
+        </p:nvGraphicFramePr>
+        <p:xfrm>
+          <a:off x="2649123" y="1491810"/>
+          <a:ext cx="1967215" cy="417888"/>
+        </p:xfrm>
+        <a:graphic>
+          <a:graphicData uri="http://schemas.openxmlformats.org/drawingml/2006/table">
+            <a:tbl>
+              <a:tblPr>
+                <a:tableStyleId>{638B1855-1B75-4FBE-930C-398BA8C253C6}</a:tableStyleId>
+              </a:tblPr>
+              <a:tblGrid>
+                <a:gridCol w="1967215">
+                  <a:extLst>
+                    <a:ext uri="{9D8B030D-6E8A-4147-A177-3AD203B41FA5}">
+                      <a16:colId xmlns:a16="http://schemas.microsoft.com/office/drawing/2014/main" val="4240773277"/>
+                    </a:ext>
+                  </a:extLst>
+                </a:gridCol>
+              </a:tblGrid>
+              <a:tr h="417888">
+                <a:tc>
+                  <a:txBody>
+                    <a:bodyPr/>
+                    <a:lstStyle/>
+                    <a:p>
+                      <a:r>
+                        <a:rPr lang="en-SG" u="sng" dirty="0"/>
+                        <a:t>ft1:</a:t>
+                      </a:r>
+                      <a:r>
+                        <a:rPr lang="en-SG" sz="1800" u="sng" dirty="0"/>
+                        <a:t>FinanceTracker</a:t>
+                      </a:r>
+                      <a:endParaRPr lang="en-SG" u="sng" dirty="0"/>
+                    </a:p>
+                  </a:txBody>
+                  <a:tcPr/>
+                </a:tc>
+                <a:extLst>
+                  <a:ext uri="{0D108BD9-81ED-4DB2-BD59-A6C34878D82A}">
+                    <a16:rowId xmlns:a16="http://schemas.microsoft.com/office/drawing/2014/main" val="2194462629"/>
+                  </a:ext>
+                </a:extLst>
+              </a:tr>
+            </a:tbl>
+          </a:graphicData>
+        </a:graphic>
+      </p:graphicFrame>
+      <p:sp>
+        <p:nvSpPr>
+          <p:cNvPr id="3" name="TextBox 2">
+            <a:extLst>
+              <a:ext uri="{FF2B5EF4-FFF2-40B4-BE49-F238E27FC236}">
+                <a16:creationId xmlns:a16="http://schemas.microsoft.com/office/drawing/2014/main" id="{B27F90DC-689A-4640-915D-0CFFDED40A26}"/>
+              </a:ext>
+            </a:extLst>
+          </p:cNvPr>
+          <p:cNvSpPr txBox="1"/>
+          <p:nvPr/>
+        </p:nvSpPr>
+        <p:spPr>
+          <a:xfrm>
+            <a:off x="5457881" y="2853890"/>
+            <a:ext cx="1367426" cy="923330"/>
+          </a:xfrm>
+          <a:prstGeom prst="rect">
+            <a:avLst/>
+          </a:prstGeom>
+          <a:noFill/>
+        </p:spPr>
+        <p:txBody>
+          <a:bodyPr wrap="none" rtlCol="0">
+            <a:spAutoFit/>
+          </a:bodyPr>
+          <a:lstStyle/>
+          <a:p>
+            <a:pPr algn="ctr"/>
+            <a:r>
+              <a:rPr lang="en-SG" dirty="0" err="1">
+                <a:solidFill>
+                  <a:schemeClr val="bg1"/>
+                </a:solidFill>
+              </a:rPr>
+              <a:t>addexpense</a:t>
+            </a:r>
+            <a:r>
+              <a:rPr lang="en-SG" dirty="0">
+                <a:solidFill>
+                  <a:schemeClr val="bg1"/>
+                </a:solidFill>
+              </a:rPr>
+              <a:t> </a:t>
+            </a:r>
+          </a:p>
+          <a:p>
+            <a:pPr algn="ctr"/>
+            <a:r>
+              <a:rPr lang="en-SG" dirty="0">
+                <a:solidFill>
+                  <a:schemeClr val="bg1"/>
+                </a:solidFill>
+              </a:rPr>
+              <a:t>n/BKT… </a:t>
+            </a:r>
+            <a:endParaRPr lang="en-US" dirty="0">
+              <a:solidFill>
+                <a:schemeClr val="bg1"/>
+              </a:solidFill>
+            </a:endParaRPr>
+          </a:p>
+          <a:p>
+            <a:pPr algn="ctr"/>
+            <a:endParaRPr lang="en-US" dirty="0">
+              <a:solidFill>
+                <a:schemeClr val="bg1"/>
+              </a:solidFill>
+            </a:endParaRPr>
+          </a:p>
+        </p:txBody>
+      </p:sp>
     </p:spTree>
     <p:extLst>
       <p:ext uri="{BB962C8B-B14F-4D97-AF65-F5344CB8AC3E}">
